--- a/Mini-duels.pptx
+++ b/Mini-duels.pptx
@@ -4099,12 +4099,7 @@
             <p:ph type="title"/>
           </p:nvPr>
         </p:nvSpPr>
-        <p:spPr>
-          <a:xfrm>
-            <a:off x="0" y="0"/>
-            <a:ext cx="9211945" cy="1174115"/>
-          </a:xfrm>
-        </p:spPr>
+        <p:spPr/>
         <p:txBody>
           <a:bodyPr>
             <a:normAutofit/>
@@ -4131,15 +4126,10 @@
             <a:spLocks noGrp="1"/>
           </p:cNvSpPr>
           <p:nvPr>
-            <p:ph idx="1"/>
-          </p:nvPr>
-        </p:nvSpPr>
-        <p:spPr>
-          <a:xfrm>
-            <a:off x="155575" y="1316355"/>
-            <a:ext cx="10515600" cy="4351338"/>
-          </a:xfrm>
-        </p:spPr>
+            <p:ph sz="half" idx="1"/>
+          </p:nvPr>
+        </p:nvSpPr>
+        <p:spPr/>
         <p:txBody>
           <a:bodyPr/>
           <a:p>
@@ -4196,6 +4186,32 @@
           </a:p>
         </p:txBody>
       </p:sp>
+      <p:pic>
+        <p:nvPicPr>
+          <p:cNvPr id="4" name="Content Placeholder 3"/>
+          <p:cNvPicPr>
+            <a:picLocks noChangeAspect="1"/>
+          </p:cNvPicPr>
+          <p:nvPr>
+            <p:ph sz="half" idx="2"/>
+          </p:nvPr>
+        </p:nvPicPr>
+        <p:blipFill>
+          <a:blip r:embed="rId1"/>
+          <a:stretch>
+            <a:fillRect/>
+          </a:stretch>
+        </p:blipFill>
+        <p:spPr>
+          <a:xfrm>
+            <a:off x="7719060" y="1682115"/>
+            <a:ext cx="4472940" cy="5175885"/>
+          </a:xfrm>
+          <a:prstGeom prst="rect">
+            <a:avLst/>
+          </a:prstGeom>
+        </p:spPr>
+      </p:pic>
     </p:spTree>
   </p:cSld>
   <p:clrMapOvr>
